--- a/images/gormos.pptx
+++ b/images/gormos.pptx
@@ -889,10 +889,9 @@
         <a:lstStyle/>
         <a:p>
           <a:r>
-            <a:rPr lang="en-US" dirty="0" smtClean="0"/>
+            <a:rPr lang="en-US" dirty="0"/>
             <a:t>Validator register</a:t>
           </a:r>
-          <a:endParaRPr lang="en-US" dirty="0"/>
         </a:p>
       </dgm:t>
     </dgm:pt>
@@ -926,10 +925,9 @@
         <a:lstStyle/>
         <a:p>
           <a:r>
-            <a:rPr lang="en-US" dirty="0" smtClean="0"/>
+            <a:rPr lang="en-US" dirty="0"/>
             <a:t>Shard formation</a:t>
           </a:r>
-          <a:endParaRPr lang="en-US" dirty="0"/>
         </a:p>
       </dgm:t>
     </dgm:pt>
@@ -963,10 +961,9 @@
         <a:lstStyle/>
         <a:p>
           <a:r>
-            <a:rPr lang="en-US" dirty="0" smtClean="0"/>
+            <a:rPr lang="en-US" dirty="0"/>
             <a:t>Consensus within a shard</a:t>
           </a:r>
-          <a:endParaRPr lang="en-US" dirty="0"/>
         </a:p>
       </dgm:t>
     </dgm:pt>
@@ -1000,11 +997,11 @@
         <a:lstStyle/>
         <a:p>
           <a:r>
-            <a:rPr lang="en-US" dirty="0" smtClean="0"/>
+            <a:rPr lang="en-US" dirty="0"/>
             <a:t>Commit to the </a:t>
           </a:r>
           <a:r>
-            <a:rPr lang="en-US" dirty="0" err="1" smtClean="0"/>
+            <a:rPr lang="en-US" dirty="0" err="1"/>
             <a:t>rootchain</a:t>
           </a:r>
           <a:endParaRPr lang="en-US" dirty="0"/>
@@ -1041,13 +1038,6 @@
         </dgm:presLayoutVars>
       </dgm:prSet>
       <dgm:spPr/>
-      <dgm:t>
-        <a:bodyPr/>
-        <a:lstStyle/>
-        <a:p>
-          <a:endParaRPr lang="en-US"/>
-        </a:p>
-      </dgm:t>
     </dgm:pt>
     <dgm:pt modelId="{57548CDC-4F5E-0A48-9145-E4A462B27821}" type="pres">
       <dgm:prSet presAssocID="{82E23B77-1573-6848-9E29-21AF8CFCB5BE}" presName="node" presStyleLbl="node1" presStyleIdx="0" presStyleCnt="4">
@@ -1056,35 +1046,14 @@
         </dgm:presLayoutVars>
       </dgm:prSet>
       <dgm:spPr/>
-      <dgm:t>
-        <a:bodyPr/>
-        <a:lstStyle/>
-        <a:p>
-          <a:endParaRPr lang="en-US"/>
-        </a:p>
-      </dgm:t>
     </dgm:pt>
     <dgm:pt modelId="{3FD618FD-93F7-D04D-B14D-A01A4AEF0277}" type="pres">
       <dgm:prSet presAssocID="{3BC6B186-621F-F54E-86A7-BE58297329EA}" presName="sibTrans" presStyleLbl="sibTrans2D1" presStyleIdx="0" presStyleCnt="4"/>
       <dgm:spPr/>
-      <dgm:t>
-        <a:bodyPr/>
-        <a:lstStyle/>
-        <a:p>
-          <a:endParaRPr lang="en-US"/>
-        </a:p>
-      </dgm:t>
     </dgm:pt>
     <dgm:pt modelId="{9887FB7D-81DE-B84D-835C-B1F0DBB0CF3B}" type="pres">
       <dgm:prSet presAssocID="{3BC6B186-621F-F54E-86A7-BE58297329EA}" presName="connectorText" presStyleLbl="sibTrans2D1" presStyleIdx="0" presStyleCnt="4"/>
       <dgm:spPr/>
-      <dgm:t>
-        <a:bodyPr/>
-        <a:lstStyle/>
-        <a:p>
-          <a:endParaRPr lang="en-US"/>
-        </a:p>
-      </dgm:t>
     </dgm:pt>
     <dgm:pt modelId="{B5CF1F3A-810F-274C-894E-D29D3F054F4F}" type="pres">
       <dgm:prSet presAssocID="{A37B3789-2029-E149-A96D-8C90BD3FDAF1}" presName="node" presStyleLbl="node1" presStyleIdx="1" presStyleCnt="4">
@@ -1093,35 +1062,14 @@
         </dgm:presLayoutVars>
       </dgm:prSet>
       <dgm:spPr/>
-      <dgm:t>
-        <a:bodyPr/>
-        <a:lstStyle/>
-        <a:p>
-          <a:endParaRPr lang="en-US"/>
-        </a:p>
-      </dgm:t>
     </dgm:pt>
     <dgm:pt modelId="{32939A28-E74C-EE40-A967-71DB219D60B4}" type="pres">
       <dgm:prSet presAssocID="{69B16337-E923-2044-8BEC-D2F5401D61BD}" presName="sibTrans" presStyleLbl="sibTrans2D1" presStyleIdx="1" presStyleCnt="4"/>
       <dgm:spPr/>
-      <dgm:t>
-        <a:bodyPr/>
-        <a:lstStyle/>
-        <a:p>
-          <a:endParaRPr lang="en-US"/>
-        </a:p>
-      </dgm:t>
     </dgm:pt>
     <dgm:pt modelId="{8F0DBD53-1BE1-A346-AEF0-4162CB453D75}" type="pres">
       <dgm:prSet presAssocID="{69B16337-E923-2044-8BEC-D2F5401D61BD}" presName="connectorText" presStyleLbl="sibTrans2D1" presStyleIdx="1" presStyleCnt="4"/>
       <dgm:spPr/>
-      <dgm:t>
-        <a:bodyPr/>
-        <a:lstStyle/>
-        <a:p>
-          <a:endParaRPr lang="en-US"/>
-        </a:p>
-      </dgm:t>
     </dgm:pt>
     <dgm:pt modelId="{E8870F70-A847-A342-BA17-4D064E3A4801}" type="pres">
       <dgm:prSet presAssocID="{8389BE1B-5827-6148-BA8B-48CA93807ABD}" presName="node" presStyleLbl="node1" presStyleIdx="2" presStyleCnt="4">
@@ -1130,35 +1078,14 @@
         </dgm:presLayoutVars>
       </dgm:prSet>
       <dgm:spPr/>
-      <dgm:t>
-        <a:bodyPr/>
-        <a:lstStyle/>
-        <a:p>
-          <a:endParaRPr lang="en-US"/>
-        </a:p>
-      </dgm:t>
     </dgm:pt>
     <dgm:pt modelId="{D2E1E0C2-4193-3741-B271-7EFEA11125EB}" type="pres">
       <dgm:prSet presAssocID="{C07D5B10-70A8-FC4C-A072-D4F8C4C4967D}" presName="sibTrans" presStyleLbl="sibTrans2D1" presStyleIdx="2" presStyleCnt="4"/>
       <dgm:spPr/>
-      <dgm:t>
-        <a:bodyPr/>
-        <a:lstStyle/>
-        <a:p>
-          <a:endParaRPr lang="en-US"/>
-        </a:p>
-      </dgm:t>
     </dgm:pt>
     <dgm:pt modelId="{E0A850EA-2779-9A49-A56E-3ED20FFA5AF3}" type="pres">
       <dgm:prSet presAssocID="{C07D5B10-70A8-FC4C-A072-D4F8C4C4967D}" presName="connectorText" presStyleLbl="sibTrans2D1" presStyleIdx="2" presStyleCnt="4"/>
       <dgm:spPr/>
-      <dgm:t>
-        <a:bodyPr/>
-        <a:lstStyle/>
-        <a:p>
-          <a:endParaRPr lang="en-US"/>
-        </a:p>
-      </dgm:t>
     </dgm:pt>
     <dgm:pt modelId="{7E830A62-178C-1645-AD65-C54EE7F1C26A}" type="pres">
       <dgm:prSet presAssocID="{3067CC59-91EE-4348-98F6-08956C5C361D}" presName="node" presStyleLbl="node1" presStyleIdx="3" presStyleCnt="4">
@@ -1167,55 +1094,34 @@
         </dgm:presLayoutVars>
       </dgm:prSet>
       <dgm:spPr/>
-      <dgm:t>
-        <a:bodyPr/>
-        <a:lstStyle/>
-        <a:p>
-          <a:endParaRPr lang="en-US"/>
-        </a:p>
-      </dgm:t>
     </dgm:pt>
     <dgm:pt modelId="{D53126D6-47F9-1D4C-A20A-BFC4D60CFDC8}" type="pres">
       <dgm:prSet presAssocID="{C85A488A-17C4-D249-8735-07DA1253FEC2}" presName="sibTrans" presStyleLbl="sibTrans2D1" presStyleIdx="3" presStyleCnt="4"/>
       <dgm:spPr/>
-      <dgm:t>
-        <a:bodyPr/>
-        <a:lstStyle/>
-        <a:p>
-          <a:endParaRPr lang="en-US"/>
-        </a:p>
-      </dgm:t>
     </dgm:pt>
     <dgm:pt modelId="{AD0D117F-E982-2544-AF12-EC4458C1D5C1}" type="pres">
       <dgm:prSet presAssocID="{C85A488A-17C4-D249-8735-07DA1253FEC2}" presName="connectorText" presStyleLbl="sibTrans2D1" presStyleIdx="3" presStyleCnt="4"/>
       <dgm:spPr/>
-      <dgm:t>
-        <a:bodyPr/>
-        <a:lstStyle/>
-        <a:p>
-          <a:endParaRPr lang="en-US"/>
-        </a:p>
-      </dgm:t>
     </dgm:pt>
   </dgm:ptLst>
   <dgm:cxnLst>
+    <dgm:cxn modelId="{4E354E18-C62D-754C-A2C5-4F42B4568727}" type="presOf" srcId="{A37B3789-2029-E149-A96D-8C90BD3FDAF1}" destId="{B5CF1F3A-810F-274C-894E-D29D3F054F4F}" srcOrd="0" destOrd="0" presId="urn:microsoft.com/office/officeart/2005/8/layout/cycle2"/>
+    <dgm:cxn modelId="{0135052F-9B3C-9045-B872-52E6B3C94D17}" type="presOf" srcId="{C07D5B10-70A8-FC4C-A072-D4F8C4C4967D}" destId="{D2E1E0C2-4193-3741-B271-7EFEA11125EB}" srcOrd="0" destOrd="0" presId="urn:microsoft.com/office/officeart/2005/8/layout/cycle2"/>
     <dgm:cxn modelId="{6C537C33-B81F-6341-BE2B-DED278CC38FE}" srcId="{5BB83CCF-828B-EC49-9100-B3924853DEBC}" destId="{3067CC59-91EE-4348-98F6-08956C5C361D}" srcOrd="3" destOrd="0" parTransId="{6DC7D0BD-A98B-F242-B2B3-B2F5764031B1}" sibTransId="{C85A488A-17C4-D249-8735-07DA1253FEC2}"/>
-    <dgm:cxn modelId="{B2E4509E-6810-AD45-BF91-5F447811247D}" type="presOf" srcId="{5BB83CCF-828B-EC49-9100-B3924853DEBC}" destId="{359FF1DC-7DA0-1F4C-8CC7-A9BB593ED654}" srcOrd="0" destOrd="0" presId="urn:microsoft.com/office/officeart/2005/8/layout/cycle2"/>
-    <dgm:cxn modelId="{6C1E9B99-4529-2549-B6C9-9B72D97FCA94}" srcId="{5BB83CCF-828B-EC49-9100-B3924853DEBC}" destId="{82E23B77-1573-6848-9E29-21AF8CFCB5BE}" srcOrd="0" destOrd="0" parTransId="{2295D2D6-A650-7A4C-AD60-D1C7F6B1DFCF}" sibTransId="{3BC6B186-621F-F54E-86A7-BE58297329EA}"/>
-    <dgm:cxn modelId="{3AA02549-6D8E-394C-9214-3FD895DC5413}" type="presOf" srcId="{3067CC59-91EE-4348-98F6-08956C5C361D}" destId="{7E830A62-178C-1645-AD65-C54EE7F1C26A}" srcOrd="0" destOrd="0" presId="urn:microsoft.com/office/officeart/2005/8/layout/cycle2"/>
-    <dgm:cxn modelId="{1F7B153B-AAE2-9F4A-8A56-1C2CABBE6899}" type="presOf" srcId="{C07D5B10-70A8-FC4C-A072-D4F8C4C4967D}" destId="{E0A850EA-2779-9A49-A56E-3ED20FFA5AF3}" srcOrd="1" destOrd="0" presId="urn:microsoft.com/office/officeart/2005/8/layout/cycle2"/>
-    <dgm:cxn modelId="{67B70E7E-381C-4448-9C94-4418BFB63E8D}" srcId="{5BB83CCF-828B-EC49-9100-B3924853DEBC}" destId="{A37B3789-2029-E149-A96D-8C90BD3FDAF1}" srcOrd="1" destOrd="0" parTransId="{3AC8EAB4-C0DD-834F-92E9-02DE0F7F15EB}" sibTransId="{69B16337-E923-2044-8BEC-D2F5401D61BD}"/>
-    <dgm:cxn modelId="{CAF62749-95E1-2F47-BBB8-5E02EAD26388}" type="presOf" srcId="{69B16337-E923-2044-8BEC-D2F5401D61BD}" destId="{32939A28-E74C-EE40-A967-71DB219D60B4}" srcOrd="0" destOrd="0" presId="urn:microsoft.com/office/officeart/2005/8/layout/cycle2"/>
-    <dgm:cxn modelId="{4E354E18-C62D-754C-A2C5-4F42B4568727}" type="presOf" srcId="{A37B3789-2029-E149-A96D-8C90BD3FDAF1}" destId="{B5CF1F3A-810F-274C-894E-D29D3F054F4F}" srcOrd="0" destOrd="0" presId="urn:microsoft.com/office/officeart/2005/8/layout/cycle2"/>
     <dgm:cxn modelId="{84C05935-AC5D-2A41-870B-0B27728E7649}" type="presOf" srcId="{C85A488A-17C4-D249-8735-07DA1253FEC2}" destId="{AD0D117F-E982-2544-AF12-EC4458C1D5C1}" srcOrd="1" destOrd="0" presId="urn:microsoft.com/office/officeart/2005/8/layout/cycle2"/>
     <dgm:cxn modelId="{178A0A38-D753-9F4E-87AE-F7EA6D9E2C5E}" type="presOf" srcId="{3BC6B186-621F-F54E-86A7-BE58297329EA}" destId="{9887FB7D-81DE-B84D-835C-B1F0DBB0CF3B}" srcOrd="1" destOrd="0" presId="urn:microsoft.com/office/officeart/2005/8/layout/cycle2"/>
+    <dgm:cxn modelId="{1F7B153B-AAE2-9F4A-8A56-1C2CABBE6899}" type="presOf" srcId="{C07D5B10-70A8-FC4C-A072-D4F8C4C4967D}" destId="{E0A850EA-2779-9A49-A56E-3ED20FFA5AF3}" srcOrd="1" destOrd="0" presId="urn:microsoft.com/office/officeart/2005/8/layout/cycle2"/>
+    <dgm:cxn modelId="{3AA02549-6D8E-394C-9214-3FD895DC5413}" type="presOf" srcId="{3067CC59-91EE-4348-98F6-08956C5C361D}" destId="{7E830A62-178C-1645-AD65-C54EE7F1C26A}" srcOrd="0" destOrd="0" presId="urn:microsoft.com/office/officeart/2005/8/layout/cycle2"/>
+    <dgm:cxn modelId="{CAF62749-95E1-2F47-BBB8-5E02EAD26388}" type="presOf" srcId="{69B16337-E923-2044-8BEC-D2F5401D61BD}" destId="{32939A28-E74C-EE40-A967-71DB219D60B4}" srcOrd="0" destOrd="0" presId="urn:microsoft.com/office/officeart/2005/8/layout/cycle2"/>
+    <dgm:cxn modelId="{3D165F6D-7C85-EA46-9D3C-FD3B2350A25E}" type="presOf" srcId="{8389BE1B-5827-6148-BA8B-48CA93807ABD}" destId="{E8870F70-A847-A342-BA17-4D064E3A4801}" srcOrd="0" destOrd="0" presId="urn:microsoft.com/office/officeart/2005/8/layout/cycle2"/>
+    <dgm:cxn modelId="{8F3F4752-1A52-0242-9048-8E25D37F7DB6}" type="presOf" srcId="{C85A488A-17C4-D249-8735-07DA1253FEC2}" destId="{D53126D6-47F9-1D4C-A20A-BFC4D60CFDC8}" srcOrd="0" destOrd="0" presId="urn:microsoft.com/office/officeart/2005/8/layout/cycle2"/>
+    <dgm:cxn modelId="{67B70E7E-381C-4448-9C94-4418BFB63E8D}" srcId="{5BB83CCF-828B-EC49-9100-B3924853DEBC}" destId="{A37B3789-2029-E149-A96D-8C90BD3FDAF1}" srcOrd="1" destOrd="0" parTransId="{3AC8EAB4-C0DD-834F-92E9-02DE0F7F15EB}" sibTransId="{69B16337-E923-2044-8BEC-D2F5401D61BD}"/>
+    <dgm:cxn modelId="{17F8E795-6461-2A49-B32D-1DC87142204E}" type="presOf" srcId="{69B16337-E923-2044-8BEC-D2F5401D61BD}" destId="{8F0DBD53-1BE1-A346-AEF0-4162CB453D75}" srcOrd="1" destOrd="0" presId="urn:microsoft.com/office/officeart/2005/8/layout/cycle2"/>
+    <dgm:cxn modelId="{6C1E9B99-4529-2549-B6C9-9B72D97FCA94}" srcId="{5BB83CCF-828B-EC49-9100-B3924853DEBC}" destId="{82E23B77-1573-6848-9E29-21AF8CFCB5BE}" srcOrd="0" destOrd="0" parTransId="{2295D2D6-A650-7A4C-AD60-D1C7F6B1DFCF}" sibTransId="{3BC6B186-621F-F54E-86A7-BE58297329EA}"/>
+    <dgm:cxn modelId="{B2E4509E-6810-AD45-BF91-5F447811247D}" type="presOf" srcId="{5BB83CCF-828B-EC49-9100-B3924853DEBC}" destId="{359FF1DC-7DA0-1F4C-8CC7-A9BB593ED654}" srcOrd="0" destOrd="0" presId="urn:microsoft.com/office/officeart/2005/8/layout/cycle2"/>
+    <dgm:cxn modelId="{C5D4F6B5-8D96-0645-9AD0-B458049FBD72}" type="presOf" srcId="{3BC6B186-621F-F54E-86A7-BE58297329EA}" destId="{3FD618FD-93F7-D04D-B14D-A01A4AEF0277}" srcOrd="0" destOrd="0" presId="urn:microsoft.com/office/officeart/2005/8/layout/cycle2"/>
     <dgm:cxn modelId="{FC7121BD-CA41-2E47-BA73-99D11FABDDF8}" srcId="{5BB83CCF-828B-EC49-9100-B3924853DEBC}" destId="{8389BE1B-5827-6148-BA8B-48CA93807ABD}" srcOrd="2" destOrd="0" parTransId="{86251AEE-8901-D847-8CE3-7AF90C89A4C7}" sibTransId="{C07D5B10-70A8-FC4C-A072-D4F8C4C4967D}"/>
-    <dgm:cxn modelId="{17F8E795-6461-2A49-B32D-1DC87142204E}" type="presOf" srcId="{69B16337-E923-2044-8BEC-D2F5401D61BD}" destId="{8F0DBD53-1BE1-A346-AEF0-4162CB453D75}" srcOrd="1" destOrd="0" presId="urn:microsoft.com/office/officeart/2005/8/layout/cycle2"/>
-    <dgm:cxn modelId="{0135052F-9B3C-9045-B872-52E6B3C94D17}" type="presOf" srcId="{C07D5B10-70A8-FC4C-A072-D4F8C4C4967D}" destId="{D2E1E0C2-4193-3741-B271-7EFEA11125EB}" srcOrd="0" destOrd="0" presId="urn:microsoft.com/office/officeart/2005/8/layout/cycle2"/>
     <dgm:cxn modelId="{4999BCCF-14A9-1145-9EE3-FFAAACD9FD47}" type="presOf" srcId="{82E23B77-1573-6848-9E29-21AF8CFCB5BE}" destId="{57548CDC-4F5E-0A48-9145-E4A462B27821}" srcOrd="0" destOrd="0" presId="urn:microsoft.com/office/officeart/2005/8/layout/cycle2"/>
-    <dgm:cxn modelId="{3D165F6D-7C85-EA46-9D3C-FD3B2350A25E}" type="presOf" srcId="{8389BE1B-5827-6148-BA8B-48CA93807ABD}" destId="{E8870F70-A847-A342-BA17-4D064E3A4801}" srcOrd="0" destOrd="0" presId="urn:microsoft.com/office/officeart/2005/8/layout/cycle2"/>
-    <dgm:cxn modelId="{C5D4F6B5-8D96-0645-9AD0-B458049FBD72}" type="presOf" srcId="{3BC6B186-621F-F54E-86A7-BE58297329EA}" destId="{3FD618FD-93F7-D04D-B14D-A01A4AEF0277}" srcOrd="0" destOrd="0" presId="urn:microsoft.com/office/officeart/2005/8/layout/cycle2"/>
-    <dgm:cxn modelId="{8F3F4752-1A52-0242-9048-8E25D37F7DB6}" type="presOf" srcId="{C85A488A-17C4-D249-8735-07DA1253FEC2}" destId="{D53126D6-47F9-1D4C-A20A-BFC4D60CFDC8}" srcOrd="0" destOrd="0" presId="urn:microsoft.com/office/officeart/2005/8/layout/cycle2"/>
     <dgm:cxn modelId="{13715BC4-AF5F-644C-9D99-10A29C830683}" type="presParOf" srcId="{359FF1DC-7DA0-1F4C-8CC7-A9BB593ED654}" destId="{57548CDC-4F5E-0A48-9145-E4A462B27821}" srcOrd="0" destOrd="0" presId="urn:microsoft.com/office/officeart/2005/8/layout/cycle2"/>
     <dgm:cxn modelId="{1D20511B-AFDB-524A-B915-1B321F81D6A4}" type="presParOf" srcId="{359FF1DC-7DA0-1F4C-8CC7-A9BB593ED654}" destId="{3FD618FD-93F7-D04D-B14D-A01A4AEF0277}" srcOrd="1" destOrd="0" presId="urn:microsoft.com/office/officeart/2005/8/layout/cycle2"/>
     <dgm:cxn modelId="{F958D085-3280-A54A-B3B4-BB95E055D3BD}" type="presParOf" srcId="{3FD618FD-93F7-D04D-B14D-A01A4AEF0277}" destId="{9887FB7D-81DE-B84D-835C-B1F0DBB0CF3B}" srcOrd="0" destOrd="0" presId="urn:microsoft.com/office/officeart/2005/8/layout/cycle2"/>
@@ -1323,7 +1229,7 @@
         </a:bodyPr>
         <a:lstStyle/>
         <a:p>
-          <a:pPr lvl="0" algn="ctr" defTabSz="755650">
+          <a:pPr marL="0" lvl="0" indent="0" algn="ctr" defTabSz="755650">
             <a:lnSpc>
               <a:spcPct val="90000"/>
             </a:lnSpc>
@@ -1333,12 +1239,12 @@
             <a:spcAft>
               <a:spcPct val="35000"/>
             </a:spcAft>
+            <a:buNone/>
           </a:pPr>
           <a:r>
-            <a:rPr lang="en-US" sz="1700" kern="1200" dirty="0" smtClean="0"/>
+            <a:rPr lang="en-US" sz="1700" kern="1200" dirty="0"/>
             <a:t>Validator register</a:t>
           </a:r>
-          <a:endParaRPr lang="en-US" sz="1700" kern="1200" dirty="0"/>
         </a:p>
       </dsp:txBody>
       <dsp:txXfrm>
@@ -1428,7 +1334,7 @@
         </a:bodyPr>
         <a:lstStyle/>
         <a:p>
-          <a:pPr lvl="0" algn="ctr" defTabSz="622300">
+          <a:pPr marL="0" lvl="0" indent="0" algn="ctr" defTabSz="622300">
             <a:lnSpc>
               <a:spcPct val="90000"/>
             </a:lnSpc>
@@ -1438,6 +1344,7 @@
             <a:spcAft>
               <a:spcPct val="35000"/>
             </a:spcAft>
+            <a:buNone/>
           </a:pPr>
           <a:endParaRPr lang="en-US" sz="1400" kern="1200"/>
         </a:p>
@@ -1523,7 +1430,7 @@
         </a:bodyPr>
         <a:lstStyle/>
         <a:p>
-          <a:pPr lvl="0" algn="ctr" defTabSz="755650">
+          <a:pPr marL="0" lvl="0" indent="0" algn="ctr" defTabSz="755650">
             <a:lnSpc>
               <a:spcPct val="90000"/>
             </a:lnSpc>
@@ -1533,12 +1440,12 @@
             <a:spcAft>
               <a:spcPct val="35000"/>
             </a:spcAft>
+            <a:buNone/>
           </a:pPr>
           <a:r>
-            <a:rPr lang="en-US" sz="1700" kern="1200" dirty="0" smtClean="0"/>
+            <a:rPr lang="en-US" sz="1700" kern="1200" dirty="0"/>
             <a:t>Shard formation</a:t>
           </a:r>
-          <a:endParaRPr lang="en-US" sz="1700" kern="1200" dirty="0"/>
         </a:p>
       </dsp:txBody>
       <dsp:txXfrm>
@@ -1628,7 +1535,7 @@
         </a:bodyPr>
         <a:lstStyle/>
         <a:p>
-          <a:pPr lvl="0" algn="ctr" defTabSz="622300">
+          <a:pPr marL="0" lvl="0" indent="0" algn="ctr" defTabSz="622300">
             <a:lnSpc>
               <a:spcPct val="90000"/>
             </a:lnSpc>
@@ -1638,6 +1545,7 @@
             <a:spcAft>
               <a:spcPct val="35000"/>
             </a:spcAft>
+            <a:buNone/>
           </a:pPr>
           <a:endParaRPr lang="en-US" sz="1400" kern="1200"/>
         </a:p>
@@ -1723,7 +1631,7 @@
         </a:bodyPr>
         <a:lstStyle/>
         <a:p>
-          <a:pPr lvl="0" algn="ctr" defTabSz="755650">
+          <a:pPr marL="0" lvl="0" indent="0" algn="ctr" defTabSz="755650">
             <a:lnSpc>
               <a:spcPct val="90000"/>
             </a:lnSpc>
@@ -1733,12 +1641,12 @@
             <a:spcAft>
               <a:spcPct val="35000"/>
             </a:spcAft>
+            <a:buNone/>
           </a:pPr>
           <a:r>
-            <a:rPr lang="en-US" sz="1700" kern="1200" dirty="0" smtClean="0"/>
+            <a:rPr lang="en-US" sz="1700" kern="1200" dirty="0"/>
             <a:t>Consensus within a shard</a:t>
           </a:r>
-          <a:endParaRPr lang="en-US" sz="1700" kern="1200" dirty="0"/>
         </a:p>
       </dsp:txBody>
       <dsp:txXfrm>
@@ -1828,7 +1736,7 @@
         </a:bodyPr>
         <a:lstStyle/>
         <a:p>
-          <a:pPr lvl="0" algn="ctr" defTabSz="622300">
+          <a:pPr marL="0" lvl="0" indent="0" algn="ctr" defTabSz="622300">
             <a:lnSpc>
               <a:spcPct val="90000"/>
             </a:lnSpc>
@@ -1838,6 +1746,7 @@
             <a:spcAft>
               <a:spcPct val="35000"/>
             </a:spcAft>
+            <a:buNone/>
           </a:pPr>
           <a:endParaRPr lang="en-US" sz="1400" kern="1200"/>
         </a:p>
@@ -1923,7 +1832,7 @@
         </a:bodyPr>
         <a:lstStyle/>
         <a:p>
-          <a:pPr lvl="0" algn="ctr" defTabSz="755650">
+          <a:pPr marL="0" lvl="0" indent="0" algn="ctr" defTabSz="755650">
             <a:lnSpc>
               <a:spcPct val="90000"/>
             </a:lnSpc>
@@ -1933,13 +1842,14 @@
             <a:spcAft>
               <a:spcPct val="35000"/>
             </a:spcAft>
+            <a:buNone/>
           </a:pPr>
           <a:r>
-            <a:rPr lang="en-US" sz="1700" kern="1200" dirty="0" smtClean="0"/>
+            <a:rPr lang="en-US" sz="1700" kern="1200" dirty="0"/>
             <a:t>Commit to the </a:t>
           </a:r>
           <a:r>
-            <a:rPr lang="en-US" sz="1700" kern="1200" dirty="0" err="1" smtClean="0"/>
+            <a:rPr lang="en-US" sz="1700" kern="1200" dirty="0" err="1"/>
             <a:t>rootchain</a:t>
           </a:r>
           <a:endParaRPr lang="en-US" sz="1700" kern="1200" dirty="0"/>
@@ -2032,7 +1942,7 @@
         </a:bodyPr>
         <a:lstStyle/>
         <a:p>
-          <a:pPr lvl="0" algn="ctr" defTabSz="622300">
+          <a:pPr marL="0" lvl="0" indent="0" algn="ctr" defTabSz="622300">
             <a:lnSpc>
               <a:spcPct val="90000"/>
             </a:lnSpc>
@@ -2042,6 +1952,7 @@
             <a:spcAft>
               <a:spcPct val="35000"/>
             </a:spcAft>
+            <a:buNone/>
           </a:pPr>
           <a:endParaRPr lang="en-US" sz="1400" kern="1200"/>
         </a:p>
@@ -3382,7 +3293,7 @@
           <a:p>
             <a:fld id="{9E3269BB-09BA-C942-BDA2-F058C61F3711}" type="datetimeFigureOut">
               <a:rPr lang="en-US" smtClean="0"/>
-              <a:t>6/13/18</a:t>
+              <a:t>9/12/2018</a:t>
             </a:fld>
             <a:endParaRPr lang="en-US"/>
           </a:p>
@@ -3446,38 +3357,37 @@
           <a:p>
             <a:pPr lvl="0"/>
             <a:r>
-              <a:rPr lang="en-US" smtClean="0"/>
+              <a:rPr lang="en-US"/>
               <a:t>Click to edit Master text styles</a:t>
             </a:r>
           </a:p>
           <a:p>
             <a:pPr lvl="1"/>
             <a:r>
-              <a:rPr lang="en-US" smtClean="0"/>
+              <a:rPr lang="en-US"/>
               <a:t>Second level</a:t>
             </a:r>
           </a:p>
           <a:p>
             <a:pPr lvl="2"/>
             <a:r>
-              <a:rPr lang="en-US" smtClean="0"/>
+              <a:rPr lang="en-US"/>
               <a:t>Third level</a:t>
             </a:r>
           </a:p>
           <a:p>
             <a:pPr lvl="3"/>
             <a:r>
-              <a:rPr lang="en-US" smtClean="0"/>
+              <a:rPr lang="en-US"/>
               <a:t>Fourth level</a:t>
             </a:r>
           </a:p>
           <a:p>
             <a:pPr lvl="4"/>
             <a:r>
-              <a:rPr lang="en-US" smtClean="0"/>
+              <a:rPr lang="en-US"/>
               <a:t>Fifth level</a:t>
             </a:r>
-            <a:endParaRPr lang="en-US"/>
           </a:p>
         </p:txBody>
       </p:sp>
@@ -3776,10 +3686,9 @@
           </a:lstStyle>
           <a:p>
             <a:r>
-              <a:rPr lang="en-US" smtClean="0"/>
+              <a:rPr lang="en-US"/>
               <a:t>Click to edit Master title style</a:t>
             </a:r>
-            <a:endParaRPr lang="en-US"/>
           </a:p>
         </p:txBody>
       </p:sp>
@@ -3841,10 +3750,9 @@
           </a:lstStyle>
           <a:p>
             <a:r>
-              <a:rPr lang="en-US" smtClean="0"/>
+              <a:rPr lang="en-US"/>
               <a:t>Click to edit Master subtitle style</a:t>
             </a:r>
-            <a:endParaRPr lang="en-US"/>
           </a:p>
         </p:txBody>
       </p:sp>
@@ -3865,7 +3773,7 @@
           <a:p>
             <a:fld id="{3FEE908F-F73C-044B-B27E-21B3073D7170}" type="datetimeFigureOut">
               <a:rPr lang="en-US" smtClean="0"/>
-              <a:t>6/13/18</a:t>
+              <a:t>9/12/2018</a:t>
             </a:fld>
             <a:endParaRPr lang="en-US"/>
           </a:p>
@@ -3959,10 +3867,9 @@
           <a:lstStyle/>
           <a:p>
             <a:r>
-              <a:rPr lang="en-US" smtClean="0"/>
+              <a:rPr lang="en-US"/>
               <a:t>Click to edit Master title style</a:t>
             </a:r>
-            <a:endParaRPr lang="en-US"/>
           </a:p>
         </p:txBody>
       </p:sp>
@@ -3983,38 +3890,37 @@
           <a:p>
             <a:pPr lvl="0"/>
             <a:r>
-              <a:rPr lang="en-US" smtClean="0"/>
+              <a:rPr lang="en-US"/>
               <a:t>Click to edit Master text styles</a:t>
             </a:r>
           </a:p>
           <a:p>
             <a:pPr lvl="1"/>
             <a:r>
-              <a:rPr lang="en-US" smtClean="0"/>
+              <a:rPr lang="en-US"/>
               <a:t>Second level</a:t>
             </a:r>
           </a:p>
           <a:p>
             <a:pPr lvl="2"/>
             <a:r>
-              <a:rPr lang="en-US" smtClean="0"/>
+              <a:rPr lang="en-US"/>
               <a:t>Third level</a:t>
             </a:r>
           </a:p>
           <a:p>
             <a:pPr lvl="3"/>
             <a:r>
-              <a:rPr lang="en-US" smtClean="0"/>
+              <a:rPr lang="en-US"/>
               <a:t>Fourth level</a:t>
             </a:r>
           </a:p>
           <a:p>
             <a:pPr lvl="4"/>
             <a:r>
-              <a:rPr lang="en-US" smtClean="0"/>
+              <a:rPr lang="en-US"/>
               <a:t>Fifth level</a:t>
             </a:r>
-            <a:endParaRPr lang="en-US"/>
           </a:p>
         </p:txBody>
       </p:sp>
@@ -4035,7 +3941,7 @@
           <a:p>
             <a:fld id="{3FEE908F-F73C-044B-B27E-21B3073D7170}" type="datetimeFigureOut">
               <a:rPr lang="en-US" smtClean="0"/>
-              <a:t>6/13/18</a:t>
+              <a:t>9/12/2018</a:t>
             </a:fld>
             <a:endParaRPr lang="en-US"/>
           </a:p>
@@ -4134,10 +4040,9 @@
           <a:lstStyle/>
           <a:p>
             <a:r>
-              <a:rPr lang="en-US" smtClean="0"/>
+              <a:rPr lang="en-US"/>
               <a:t>Click to edit Master title style</a:t>
             </a:r>
-            <a:endParaRPr lang="en-US"/>
           </a:p>
         </p:txBody>
       </p:sp>
@@ -4163,38 +4068,37 @@
           <a:p>
             <a:pPr lvl="0"/>
             <a:r>
-              <a:rPr lang="en-US" smtClean="0"/>
+              <a:rPr lang="en-US"/>
               <a:t>Click to edit Master text styles</a:t>
             </a:r>
           </a:p>
           <a:p>
             <a:pPr lvl="1"/>
             <a:r>
-              <a:rPr lang="en-US" smtClean="0"/>
+              <a:rPr lang="en-US"/>
               <a:t>Second level</a:t>
             </a:r>
           </a:p>
           <a:p>
             <a:pPr lvl="2"/>
             <a:r>
-              <a:rPr lang="en-US" smtClean="0"/>
+              <a:rPr lang="en-US"/>
               <a:t>Third level</a:t>
             </a:r>
           </a:p>
           <a:p>
             <a:pPr lvl="3"/>
             <a:r>
-              <a:rPr lang="en-US" smtClean="0"/>
+              <a:rPr lang="en-US"/>
               <a:t>Fourth level</a:t>
             </a:r>
           </a:p>
           <a:p>
             <a:pPr lvl="4"/>
             <a:r>
-              <a:rPr lang="en-US" smtClean="0"/>
+              <a:rPr lang="en-US"/>
               <a:t>Fifth level</a:t>
             </a:r>
-            <a:endParaRPr lang="en-US"/>
           </a:p>
         </p:txBody>
       </p:sp>
@@ -4215,7 +4119,7 @@
           <a:p>
             <a:fld id="{3FEE908F-F73C-044B-B27E-21B3073D7170}" type="datetimeFigureOut">
               <a:rPr lang="en-US" smtClean="0"/>
-              <a:t>6/13/18</a:t>
+              <a:t>9/12/2018</a:t>
             </a:fld>
             <a:endParaRPr lang="en-US"/>
           </a:p>
@@ -4309,10 +4213,9 @@
           <a:lstStyle/>
           <a:p>
             <a:r>
-              <a:rPr lang="en-US" smtClean="0"/>
+              <a:rPr lang="en-US"/>
               <a:t>Click to edit Master title style</a:t>
             </a:r>
-            <a:endParaRPr lang="en-US"/>
           </a:p>
         </p:txBody>
       </p:sp>
@@ -4333,38 +4236,37 @@
           <a:p>
             <a:pPr lvl="0"/>
             <a:r>
-              <a:rPr lang="en-US" smtClean="0"/>
+              <a:rPr lang="en-US"/>
               <a:t>Click to edit Master text styles</a:t>
             </a:r>
           </a:p>
           <a:p>
             <a:pPr lvl="1"/>
             <a:r>
-              <a:rPr lang="en-US" smtClean="0"/>
+              <a:rPr lang="en-US"/>
               <a:t>Second level</a:t>
             </a:r>
           </a:p>
           <a:p>
             <a:pPr lvl="2"/>
             <a:r>
-              <a:rPr lang="en-US" smtClean="0"/>
+              <a:rPr lang="en-US"/>
               <a:t>Third level</a:t>
             </a:r>
           </a:p>
           <a:p>
             <a:pPr lvl="3"/>
             <a:r>
-              <a:rPr lang="en-US" smtClean="0"/>
+              <a:rPr lang="en-US"/>
               <a:t>Fourth level</a:t>
             </a:r>
           </a:p>
           <a:p>
             <a:pPr lvl="4"/>
             <a:r>
-              <a:rPr lang="en-US" smtClean="0"/>
+              <a:rPr lang="en-US"/>
               <a:t>Fifth level</a:t>
             </a:r>
-            <a:endParaRPr lang="en-US"/>
           </a:p>
         </p:txBody>
       </p:sp>
@@ -4385,7 +4287,7 @@
           <a:p>
             <a:fld id="{3FEE908F-F73C-044B-B27E-21B3073D7170}" type="datetimeFigureOut">
               <a:rPr lang="en-US" smtClean="0"/>
-              <a:t>6/13/18</a:t>
+              <a:t>9/12/2018</a:t>
             </a:fld>
             <a:endParaRPr lang="en-US"/>
           </a:p>
@@ -4488,10 +4390,9 @@
           </a:lstStyle>
           <a:p>
             <a:r>
-              <a:rPr lang="en-US" smtClean="0"/>
+              <a:rPr lang="en-US"/>
               <a:t>Click to edit Master title style</a:t>
             </a:r>
-            <a:endParaRPr lang="en-US"/>
           </a:p>
         </p:txBody>
       </p:sp>
@@ -4608,7 +4509,7 @@
           <a:p>
             <a:pPr lvl="0"/>
             <a:r>
-              <a:rPr lang="en-US" smtClean="0"/>
+              <a:rPr lang="en-US"/>
               <a:t>Click to edit Master text styles</a:t>
             </a:r>
           </a:p>
@@ -4631,7 +4532,7 @@
           <a:p>
             <a:fld id="{3FEE908F-F73C-044B-B27E-21B3073D7170}" type="datetimeFigureOut">
               <a:rPr lang="en-US" smtClean="0"/>
-              <a:t>6/13/18</a:t>
+              <a:t>9/12/2018</a:t>
             </a:fld>
             <a:endParaRPr lang="en-US"/>
           </a:p>
@@ -4725,10 +4626,9 @@
           <a:lstStyle/>
           <a:p>
             <a:r>
-              <a:rPr lang="en-US" smtClean="0"/>
+              <a:rPr lang="en-US"/>
               <a:t>Click to edit Master title style</a:t>
             </a:r>
-            <a:endParaRPr lang="en-US"/>
           </a:p>
         </p:txBody>
       </p:sp>
@@ -4754,38 +4654,37 @@
           <a:p>
             <a:pPr lvl="0"/>
             <a:r>
-              <a:rPr lang="en-US" smtClean="0"/>
+              <a:rPr lang="en-US"/>
               <a:t>Click to edit Master text styles</a:t>
             </a:r>
           </a:p>
           <a:p>
             <a:pPr lvl="1"/>
             <a:r>
-              <a:rPr lang="en-US" smtClean="0"/>
+              <a:rPr lang="en-US"/>
               <a:t>Second level</a:t>
             </a:r>
           </a:p>
           <a:p>
             <a:pPr lvl="2"/>
             <a:r>
-              <a:rPr lang="en-US" smtClean="0"/>
+              <a:rPr lang="en-US"/>
               <a:t>Third level</a:t>
             </a:r>
           </a:p>
           <a:p>
             <a:pPr lvl="3"/>
             <a:r>
-              <a:rPr lang="en-US" smtClean="0"/>
+              <a:rPr lang="en-US"/>
               <a:t>Fourth level</a:t>
             </a:r>
           </a:p>
           <a:p>
             <a:pPr lvl="4"/>
             <a:r>
-              <a:rPr lang="en-US" smtClean="0"/>
+              <a:rPr lang="en-US"/>
               <a:t>Fifth level</a:t>
             </a:r>
-            <a:endParaRPr lang="en-US"/>
           </a:p>
         </p:txBody>
       </p:sp>
@@ -4811,38 +4710,37 @@
           <a:p>
             <a:pPr lvl="0"/>
             <a:r>
-              <a:rPr lang="en-US" smtClean="0"/>
+              <a:rPr lang="en-US"/>
               <a:t>Click to edit Master text styles</a:t>
             </a:r>
           </a:p>
           <a:p>
             <a:pPr lvl="1"/>
             <a:r>
-              <a:rPr lang="en-US" smtClean="0"/>
+              <a:rPr lang="en-US"/>
               <a:t>Second level</a:t>
             </a:r>
           </a:p>
           <a:p>
             <a:pPr lvl="2"/>
             <a:r>
-              <a:rPr lang="en-US" smtClean="0"/>
+              <a:rPr lang="en-US"/>
               <a:t>Third level</a:t>
             </a:r>
           </a:p>
           <a:p>
             <a:pPr lvl="3"/>
             <a:r>
-              <a:rPr lang="en-US" smtClean="0"/>
+              <a:rPr lang="en-US"/>
               <a:t>Fourth level</a:t>
             </a:r>
           </a:p>
           <a:p>
             <a:pPr lvl="4"/>
             <a:r>
-              <a:rPr lang="en-US" smtClean="0"/>
+              <a:rPr lang="en-US"/>
               <a:t>Fifth level</a:t>
             </a:r>
-            <a:endParaRPr lang="en-US"/>
           </a:p>
         </p:txBody>
       </p:sp>
@@ -4863,7 +4761,7 @@
           <a:p>
             <a:fld id="{3FEE908F-F73C-044B-B27E-21B3073D7170}" type="datetimeFigureOut">
               <a:rPr lang="en-US" smtClean="0"/>
-              <a:t>6/13/18</a:t>
+              <a:t>9/12/2018</a:t>
             </a:fld>
             <a:endParaRPr lang="en-US"/>
           </a:p>
@@ -4962,10 +4860,9 @@
           <a:lstStyle/>
           <a:p>
             <a:r>
-              <a:rPr lang="en-US" smtClean="0"/>
+              <a:rPr lang="en-US"/>
               <a:t>Click to edit Master title style</a:t>
             </a:r>
-            <a:endParaRPr lang="en-US"/>
           </a:p>
         </p:txBody>
       </p:sp>
@@ -5028,7 +4925,7 @@
           <a:p>
             <a:pPr lvl="0"/>
             <a:r>
-              <a:rPr lang="en-US" smtClean="0"/>
+              <a:rPr lang="en-US"/>
               <a:t>Click to edit Master text styles</a:t>
             </a:r>
           </a:p>
@@ -5056,38 +4953,37 @@
           <a:p>
             <a:pPr lvl="0"/>
             <a:r>
-              <a:rPr lang="en-US" smtClean="0"/>
+              <a:rPr lang="en-US"/>
               <a:t>Click to edit Master text styles</a:t>
             </a:r>
           </a:p>
           <a:p>
             <a:pPr lvl="1"/>
             <a:r>
-              <a:rPr lang="en-US" smtClean="0"/>
+              <a:rPr lang="en-US"/>
               <a:t>Second level</a:t>
             </a:r>
           </a:p>
           <a:p>
             <a:pPr lvl="2"/>
             <a:r>
-              <a:rPr lang="en-US" smtClean="0"/>
+              <a:rPr lang="en-US"/>
               <a:t>Third level</a:t>
             </a:r>
           </a:p>
           <a:p>
             <a:pPr lvl="3"/>
             <a:r>
-              <a:rPr lang="en-US" smtClean="0"/>
+              <a:rPr lang="en-US"/>
               <a:t>Fourth level</a:t>
             </a:r>
           </a:p>
           <a:p>
             <a:pPr lvl="4"/>
             <a:r>
-              <a:rPr lang="en-US" smtClean="0"/>
+              <a:rPr lang="en-US"/>
               <a:t>Fifth level</a:t>
             </a:r>
-            <a:endParaRPr lang="en-US"/>
           </a:p>
         </p:txBody>
       </p:sp>
@@ -5150,7 +5046,7 @@
           <a:p>
             <a:pPr lvl="0"/>
             <a:r>
-              <a:rPr lang="en-US" smtClean="0"/>
+              <a:rPr lang="en-US"/>
               <a:t>Click to edit Master text styles</a:t>
             </a:r>
           </a:p>
@@ -5178,38 +5074,37 @@
           <a:p>
             <a:pPr lvl="0"/>
             <a:r>
-              <a:rPr lang="en-US" smtClean="0"/>
+              <a:rPr lang="en-US"/>
               <a:t>Click to edit Master text styles</a:t>
             </a:r>
           </a:p>
           <a:p>
             <a:pPr lvl="1"/>
             <a:r>
-              <a:rPr lang="en-US" smtClean="0"/>
+              <a:rPr lang="en-US"/>
               <a:t>Second level</a:t>
             </a:r>
           </a:p>
           <a:p>
             <a:pPr lvl="2"/>
             <a:r>
-              <a:rPr lang="en-US" smtClean="0"/>
+              <a:rPr lang="en-US"/>
               <a:t>Third level</a:t>
             </a:r>
           </a:p>
           <a:p>
             <a:pPr lvl="3"/>
             <a:r>
-              <a:rPr lang="en-US" smtClean="0"/>
+              <a:rPr lang="en-US"/>
               <a:t>Fourth level</a:t>
             </a:r>
           </a:p>
           <a:p>
             <a:pPr lvl="4"/>
             <a:r>
-              <a:rPr lang="en-US" smtClean="0"/>
+              <a:rPr lang="en-US"/>
               <a:t>Fifth level</a:t>
             </a:r>
-            <a:endParaRPr lang="en-US"/>
           </a:p>
         </p:txBody>
       </p:sp>
@@ -5230,7 +5125,7 @@
           <a:p>
             <a:fld id="{3FEE908F-F73C-044B-B27E-21B3073D7170}" type="datetimeFigureOut">
               <a:rPr lang="en-US" smtClean="0"/>
-              <a:t>6/13/18</a:t>
+              <a:t>9/12/2018</a:t>
             </a:fld>
             <a:endParaRPr lang="en-US"/>
           </a:p>
@@ -5324,10 +5219,9 @@
           <a:lstStyle/>
           <a:p>
             <a:r>
-              <a:rPr lang="en-US" smtClean="0"/>
+              <a:rPr lang="en-US"/>
               <a:t>Click to edit Master title style</a:t>
             </a:r>
-            <a:endParaRPr lang="en-US"/>
           </a:p>
         </p:txBody>
       </p:sp>
@@ -5348,7 +5242,7 @@
           <a:p>
             <a:fld id="{3FEE908F-F73C-044B-B27E-21B3073D7170}" type="datetimeFigureOut">
               <a:rPr lang="en-US" smtClean="0"/>
-              <a:t>6/13/18</a:t>
+              <a:t>9/12/2018</a:t>
             </a:fld>
             <a:endParaRPr lang="en-US"/>
           </a:p>
@@ -5443,7 +5337,7 @@
           <a:p>
             <a:fld id="{3FEE908F-F73C-044B-B27E-21B3073D7170}" type="datetimeFigureOut">
               <a:rPr lang="en-US" smtClean="0"/>
-              <a:t>6/13/18</a:t>
+              <a:t>9/12/2018</a:t>
             </a:fld>
             <a:endParaRPr lang="en-US"/>
           </a:p>
@@ -5546,10 +5440,9 @@
           </a:lstStyle>
           <a:p>
             <a:r>
-              <a:rPr lang="en-US" smtClean="0"/>
+              <a:rPr lang="en-US"/>
               <a:t>Click to edit Master title style</a:t>
             </a:r>
-            <a:endParaRPr lang="en-US"/>
           </a:p>
         </p:txBody>
       </p:sp>
@@ -5603,38 +5496,37 @@
           <a:p>
             <a:pPr lvl="0"/>
             <a:r>
-              <a:rPr lang="en-US" smtClean="0"/>
+              <a:rPr lang="en-US"/>
               <a:t>Click to edit Master text styles</a:t>
             </a:r>
           </a:p>
           <a:p>
             <a:pPr lvl="1"/>
             <a:r>
-              <a:rPr lang="en-US" smtClean="0"/>
+              <a:rPr lang="en-US"/>
               <a:t>Second level</a:t>
             </a:r>
           </a:p>
           <a:p>
             <a:pPr lvl="2"/>
             <a:r>
-              <a:rPr lang="en-US" smtClean="0"/>
+              <a:rPr lang="en-US"/>
               <a:t>Third level</a:t>
             </a:r>
           </a:p>
           <a:p>
             <a:pPr lvl="3"/>
             <a:r>
-              <a:rPr lang="en-US" smtClean="0"/>
+              <a:rPr lang="en-US"/>
               <a:t>Fourth level</a:t>
             </a:r>
           </a:p>
           <a:p>
             <a:pPr lvl="4"/>
             <a:r>
-              <a:rPr lang="en-US" smtClean="0"/>
+              <a:rPr lang="en-US"/>
               <a:t>Fifth level</a:t>
             </a:r>
-            <a:endParaRPr lang="en-US"/>
           </a:p>
         </p:txBody>
       </p:sp>
@@ -5697,7 +5589,7 @@
           <a:p>
             <a:pPr lvl="0"/>
             <a:r>
-              <a:rPr lang="en-US" smtClean="0"/>
+              <a:rPr lang="en-US"/>
               <a:t>Click to edit Master text styles</a:t>
             </a:r>
           </a:p>
@@ -5720,7 +5612,7 @@
           <a:p>
             <a:fld id="{3FEE908F-F73C-044B-B27E-21B3073D7170}" type="datetimeFigureOut">
               <a:rPr lang="en-US" smtClean="0"/>
-              <a:t>6/13/18</a:t>
+              <a:t>9/12/2018</a:t>
             </a:fld>
             <a:endParaRPr lang="en-US"/>
           </a:p>
@@ -5823,10 +5715,9 @@
           </a:lstStyle>
           <a:p>
             <a:r>
-              <a:rPr lang="en-US" smtClean="0"/>
+              <a:rPr lang="en-US"/>
               <a:t>Click to edit Master title style</a:t>
             </a:r>
-            <a:endParaRPr lang="en-US"/>
           </a:p>
         </p:txBody>
       </p:sp>
@@ -5950,7 +5841,7 @@
           <a:p>
             <a:pPr lvl="0"/>
             <a:r>
-              <a:rPr lang="en-US" smtClean="0"/>
+              <a:rPr lang="en-US"/>
               <a:t>Click to edit Master text styles</a:t>
             </a:r>
           </a:p>
@@ -5973,7 +5864,7 @@
           <a:p>
             <a:fld id="{3FEE908F-F73C-044B-B27E-21B3073D7170}" type="datetimeFigureOut">
               <a:rPr lang="en-US" smtClean="0"/>
-              <a:t>6/13/18</a:t>
+              <a:t>9/12/2018</a:t>
             </a:fld>
             <a:endParaRPr lang="en-US"/>
           </a:p>
@@ -6082,10 +5973,9 @@
           <a:lstStyle/>
           <a:p>
             <a:r>
-              <a:rPr lang="en-US" smtClean="0"/>
+              <a:rPr lang="en-US"/>
               <a:t>Click to edit Master title style</a:t>
             </a:r>
-            <a:endParaRPr lang="en-US"/>
           </a:p>
         </p:txBody>
       </p:sp>
@@ -6116,38 +6006,37 @@
           <a:p>
             <a:pPr lvl="0"/>
             <a:r>
-              <a:rPr lang="en-US" smtClean="0"/>
+              <a:rPr lang="en-US"/>
               <a:t>Click to edit Master text styles</a:t>
             </a:r>
           </a:p>
           <a:p>
             <a:pPr lvl="1"/>
             <a:r>
-              <a:rPr lang="en-US" smtClean="0"/>
+              <a:rPr lang="en-US"/>
               <a:t>Second level</a:t>
             </a:r>
           </a:p>
           <a:p>
             <a:pPr lvl="2"/>
             <a:r>
-              <a:rPr lang="en-US" smtClean="0"/>
+              <a:rPr lang="en-US"/>
               <a:t>Third level</a:t>
             </a:r>
           </a:p>
           <a:p>
             <a:pPr lvl="3"/>
             <a:r>
-              <a:rPr lang="en-US" smtClean="0"/>
+              <a:rPr lang="en-US"/>
               <a:t>Fourth level</a:t>
             </a:r>
           </a:p>
           <a:p>
             <a:pPr lvl="4"/>
             <a:r>
-              <a:rPr lang="en-US" smtClean="0"/>
+              <a:rPr lang="en-US"/>
               <a:t>Fifth level</a:t>
             </a:r>
-            <a:endParaRPr lang="en-US"/>
           </a:p>
         </p:txBody>
       </p:sp>
@@ -6186,7 +6075,7 @@
           <a:p>
             <a:fld id="{3FEE908F-F73C-044B-B27E-21B3073D7170}" type="datetimeFigureOut">
               <a:rPr lang="en-US" smtClean="0"/>
-              <a:t>6/13/18</a:t>
+              <a:t>9/12/2018</a:t>
             </a:fld>
             <a:endParaRPr lang="en-US"/>
           </a:p>
@@ -6628,25 +6517,25 @@
           <a:p>
             <a:pPr algn="ctr"/>
             <a:r>
-              <a:rPr lang="en-US" sz="2400" dirty="0" smtClean="0"/>
-              <a:t>Root Chain</a:t>
+              <a:rPr lang="ja-JP" altLang="en-US" sz="2400" dirty="0"/>
+              <a:t>ルートチェーン</a:t>
             </a:r>
+            <a:endParaRPr lang="en-US" sz="2400" dirty="0"/>
           </a:p>
           <a:p>
             <a:pPr algn="ctr"/>
             <a:r>
-              <a:rPr lang="en-US" sz="2400" dirty="0" smtClean="0"/>
+              <a:rPr lang="en-US" sz="2400" dirty="0"/>
               <a:t>(</a:t>
             </a:r>
             <a:r>
-              <a:rPr lang="en-US" sz="2400" dirty="0" err="1" smtClean="0"/>
+              <a:rPr lang="en-US" sz="2400" dirty="0" err="1"/>
               <a:t>Ethereum</a:t>
             </a:r>
             <a:r>
-              <a:rPr lang="en-US" sz="2400" dirty="0" smtClean="0"/>
+              <a:rPr lang="en-US" sz="2400" dirty="0"/>
               <a:t>)</a:t>
             </a:r>
-            <a:endParaRPr lang="en-US" sz="2400" dirty="0"/>
           </a:p>
         </p:txBody>
       </p:sp>
@@ -6734,8 +6623,8 @@
           <a:p>
             <a:pPr algn="ctr"/>
             <a:r>
-              <a:rPr lang="en-US" sz="2000" dirty="0" smtClean="0"/>
-              <a:t>Main Shard</a:t>
+              <a:rPr lang="ja-JP" altLang="en-US" sz="2000" dirty="0"/>
+              <a:t>メインシャード</a:t>
             </a:r>
             <a:endParaRPr lang="en-US" sz="2000" dirty="0"/>
           </a:p>
@@ -6918,7 +6807,7 @@
         <p:spPr>
           <a:xfrm>
             <a:off x="8180498" y="2933470"/>
-            <a:ext cx="1011815" cy="707886"/>
+            <a:ext cx="1210588" cy="707886"/>
           </a:xfrm>
           <a:prstGeom prst="rect">
             <a:avLst/>
@@ -6932,15 +6821,15 @@
           <a:lstStyle/>
           <a:p>
             <a:r>
-              <a:rPr lang="en-US" sz="2000" dirty="0" err="1" smtClean="0"/>
+              <a:rPr lang="en-US" sz="2000" dirty="0" err="1"/>
               <a:t>Gormos</a:t>
             </a:r>
             <a:endParaRPr lang="en-US" sz="2000" dirty="0"/>
           </a:p>
           <a:p>
             <a:r>
-              <a:rPr lang="en-US" sz="2000" dirty="0" smtClean="0"/>
-              <a:t>Chain</a:t>
+              <a:rPr lang="ja-JP" altLang="en-US" sz="2000" dirty="0"/>
+              <a:t>チェーン</a:t>
             </a:r>
             <a:endParaRPr lang="en-US" sz="2000" dirty="0"/>
           </a:p>
@@ -7000,10 +6889,20 @@
             <a:p>
               <a:pPr algn="ctr"/>
               <a:r>
-                <a:rPr lang="en-US" sz="1600" dirty="0" smtClean="0"/>
-                <a:t>Local Shard 1</a:t>
+                <a:rPr lang="ja-JP" altLang="en-US" sz="1400" dirty="0"/>
+                <a:t>ローカル</a:t>
               </a:r>
-              <a:endParaRPr lang="en-US" sz="1600" dirty="0"/>
+              <a:br>
+                <a:rPr lang="en-US" altLang="ja-JP" sz="1400" dirty="0"/>
+              </a:br>
+              <a:r>
+                <a:rPr lang="ja-JP" altLang="en-US" sz="1400" dirty="0"/>
+                <a:t>シャード</a:t>
+              </a:r>
+              <a:r>
+                <a:rPr lang="en-US" sz="1400" dirty="0"/>
+                <a:t>1</a:t>
+              </a:r>
             </a:p>
           </p:txBody>
         </p:sp>
@@ -7015,8 +6914,8 @@
           </p:nvSpPr>
           <p:spPr>
             <a:xfrm>
-              <a:off x="2579551" y="5386206"/>
-              <a:ext cx="1880824" cy="396336"/>
+              <a:off x="2579551" y="5435304"/>
+              <a:ext cx="1880824" cy="360306"/>
             </a:xfrm>
             <a:prstGeom prst="rect">
               <a:avLst/>
@@ -7033,11 +6932,15 @@
             </a:bodyPr>
             <a:lstStyle/>
             <a:p>
+              <a:pPr algn="ctr"/>
               <a:r>
-                <a:rPr lang="en-US" sz="1600" smtClean="0"/>
-                <a:t>Trading pair 1</a:t>
+                <a:rPr lang="ja-JP" altLang="en-US" sz="1400" dirty="0"/>
+                <a:t>取引ペア</a:t>
               </a:r>
-              <a:endParaRPr lang="en-US" sz="1600"/>
+              <a:r>
+                <a:rPr lang="en-US" sz="1400" dirty="0"/>
+                <a:t>1</a:t>
+              </a:r>
             </a:p>
           </p:txBody>
         </p:sp>
@@ -7096,10 +6999,20 @@
             <a:p>
               <a:pPr algn="ctr"/>
               <a:r>
-                <a:rPr lang="en-US" sz="1600" dirty="0" smtClean="0"/>
-                <a:t>Local Shard 2</a:t>
+                <a:rPr lang="ja-JP" altLang="en-US" sz="1400" dirty="0"/>
+                <a:t>ローカル</a:t>
               </a:r>
-              <a:endParaRPr lang="en-US" sz="1600" dirty="0"/>
+              <a:br>
+                <a:rPr lang="en-US" altLang="ja-JP" sz="1400" dirty="0"/>
+              </a:br>
+              <a:r>
+                <a:rPr lang="ja-JP" altLang="en-US" sz="1400" dirty="0"/>
+                <a:t>シャード</a:t>
+              </a:r>
+              <a:r>
+                <a:rPr lang="en-US" altLang="ja-JP" sz="1400" dirty="0"/>
+                <a:t>1</a:t>
+              </a:r>
             </a:p>
           </p:txBody>
         </p:sp>
@@ -7111,8 +7024,8 @@
           </p:nvSpPr>
           <p:spPr>
             <a:xfrm>
-              <a:off x="2579551" y="5386206"/>
-              <a:ext cx="1880824" cy="396336"/>
+              <a:off x="2579551" y="5440215"/>
+              <a:ext cx="1880824" cy="360306"/>
             </a:xfrm>
             <a:prstGeom prst="rect">
               <a:avLst/>
@@ -7129,11 +7042,15 @@
             </a:bodyPr>
             <a:lstStyle/>
             <a:p>
+              <a:pPr algn="ctr"/>
               <a:r>
-                <a:rPr lang="en-US" sz="1600" dirty="0" smtClean="0"/>
-                <a:t>Trading pair 2</a:t>
+                <a:rPr lang="ja-JP" altLang="en-US" sz="1400" dirty="0"/>
+                <a:t>取引ペア</a:t>
               </a:r>
-              <a:endParaRPr lang="en-US" sz="1600" dirty="0"/>
+              <a:r>
+                <a:rPr lang="en-US" sz="1400" dirty="0"/>
+                <a:t>2</a:t>
+              </a:r>
             </a:p>
           </p:txBody>
         </p:sp>
@@ -7192,10 +7109,20 @@
             <a:p>
               <a:pPr algn="ctr"/>
               <a:r>
-                <a:rPr lang="en-US" sz="1600" dirty="0" smtClean="0"/>
-                <a:t>Local Shard ...</a:t>
+                <a:rPr lang="ja-JP" altLang="en-US" sz="1400" dirty="0"/>
+                <a:t>ローカル</a:t>
               </a:r>
-              <a:endParaRPr lang="en-US" sz="1600" dirty="0"/>
+              <a:br>
+                <a:rPr lang="en-US" altLang="ja-JP" sz="1400" dirty="0"/>
+              </a:br>
+              <a:r>
+                <a:rPr lang="ja-JP" altLang="en-US" sz="1400" dirty="0"/>
+                <a:t>シャード</a:t>
+              </a:r>
+              <a:r>
+                <a:rPr lang="en-US" sz="1400" dirty="0"/>
+                <a:t>...</a:t>
+              </a:r>
             </a:p>
           </p:txBody>
         </p:sp>
@@ -7207,8 +7134,8 @@
           </p:nvSpPr>
           <p:spPr>
             <a:xfrm>
-              <a:off x="2579551" y="5386206"/>
-              <a:ext cx="1880824" cy="396336"/>
+              <a:off x="2579551" y="5440214"/>
+              <a:ext cx="1880824" cy="360306"/>
             </a:xfrm>
             <a:prstGeom prst="rect">
               <a:avLst/>
@@ -7225,11 +7152,15 @@
             </a:bodyPr>
             <a:lstStyle/>
             <a:p>
+              <a:pPr algn="ctr"/>
               <a:r>
-                <a:rPr lang="en-US" sz="1600" dirty="0" smtClean="0"/>
-                <a:t>Trading pair ...</a:t>
+                <a:rPr lang="ja-JP" altLang="en-US" sz="1400" dirty="0"/>
+                <a:t>取引ペア </a:t>
               </a:r>
-              <a:endParaRPr lang="en-US" sz="1600" dirty="0"/>
+              <a:r>
+                <a:rPr lang="en-US" sz="1400" dirty="0"/>
+                <a:t>...</a:t>
+              </a:r>
             </a:p>
           </p:txBody>
         </p:sp>
@@ -7288,10 +7219,20 @@
             <a:p>
               <a:pPr algn="ctr"/>
               <a:r>
-                <a:rPr lang="en-US" sz="1600" dirty="0" smtClean="0"/>
-                <a:t>Local Shard n</a:t>
+                <a:rPr lang="ja-JP" altLang="en-US" sz="1400" dirty="0"/>
+                <a:t>ローカル</a:t>
               </a:r>
-              <a:endParaRPr lang="en-US" sz="1600" dirty="0"/>
+              <a:br>
+                <a:rPr lang="en-US" altLang="ja-JP" sz="1400" dirty="0"/>
+              </a:br>
+              <a:r>
+                <a:rPr lang="ja-JP" altLang="en-US" sz="1400" dirty="0"/>
+                <a:t>シャード</a:t>
+              </a:r>
+              <a:r>
+                <a:rPr lang="en-US" altLang="ja-JP" sz="1400" dirty="0"/>
+                <a:t> n</a:t>
+              </a:r>
             </a:p>
           </p:txBody>
         </p:sp>
@@ -7303,8 +7244,8 @@
           </p:nvSpPr>
           <p:spPr>
             <a:xfrm>
-              <a:off x="2579551" y="5386206"/>
-              <a:ext cx="1880824" cy="396336"/>
+              <a:off x="2579551" y="5425484"/>
+              <a:ext cx="1880824" cy="360306"/>
             </a:xfrm>
             <a:prstGeom prst="rect">
               <a:avLst/>
@@ -7321,11 +7262,15 @@
             </a:bodyPr>
             <a:lstStyle/>
             <a:p>
+              <a:pPr algn="ctr"/>
               <a:r>
-                <a:rPr lang="en-US" sz="1600" dirty="0" smtClean="0"/>
-                <a:t>Trading pair n</a:t>
+                <a:rPr lang="ja-JP" altLang="en-US" sz="1400" dirty="0"/>
+                <a:t>取引ペア </a:t>
               </a:r>
-              <a:endParaRPr lang="en-US" sz="1600" dirty="0"/>
+              <a:r>
+                <a:rPr lang="en-US" sz="1400" dirty="0"/>
+                <a:t>n</a:t>
+              </a:r>
             </a:p>
           </p:txBody>
         </p:sp>
@@ -7381,13 +7326,6 @@
   <p:clrMapOvr>
     <a:masterClrMapping/>
   </p:clrMapOvr>
-  <p:timing>
-    <p:tnLst>
-      <p:par>
-        <p:cTn id="1" dur="indefinite" restart="never" nodeType="tmRoot"/>
-      </p:par>
-    </p:tnLst>
-  </p:timing>
 </p:sld>
 </file>
 
@@ -7445,25 +7383,25 @@
           <a:p>
             <a:pPr algn="ctr"/>
             <a:r>
-              <a:rPr lang="en-US" sz="2400" dirty="0" smtClean="0"/>
-              <a:t>Root Chain</a:t>
+              <a:rPr lang="ja-JP" altLang="en-US" sz="2400" dirty="0"/>
+              <a:t>ルートチェーン</a:t>
             </a:r>
+            <a:endParaRPr lang="en-US" sz="2400" dirty="0"/>
           </a:p>
           <a:p>
             <a:pPr algn="ctr"/>
             <a:r>
-              <a:rPr lang="en-US" sz="2400" dirty="0" smtClean="0"/>
+              <a:rPr lang="en-US" sz="2400" dirty="0"/>
               <a:t>(</a:t>
             </a:r>
             <a:r>
-              <a:rPr lang="en-US" sz="2400" dirty="0" err="1" smtClean="0"/>
+              <a:rPr lang="en-US" sz="2400" dirty="0" err="1"/>
               <a:t>Ethereum</a:t>
             </a:r>
             <a:r>
-              <a:rPr lang="en-US" sz="2400" dirty="0" smtClean="0"/>
+              <a:rPr lang="en-US" sz="2400" dirty="0"/>
               <a:t>)</a:t>
             </a:r>
-            <a:endParaRPr lang="en-US" sz="2400" dirty="0"/>
           </a:p>
         </p:txBody>
       </p:sp>
@@ -7551,19 +7489,20 @@
           <a:p>
             <a:pPr algn="ctr"/>
             <a:r>
-              <a:rPr lang="en-US" sz="2000" dirty="0" smtClean="0"/>
-              <a:t>Main Shard</a:t>
+              <a:rPr lang="ja-JP" altLang="en-US" sz="2000" dirty="0"/>
+              <a:t>メインシャード</a:t>
             </a:r>
+            <a:endParaRPr lang="en-US" sz="2000" dirty="0"/>
           </a:p>
           <a:p>
             <a:pPr algn="ctr"/>
             <a:r>
-              <a:rPr lang="en-US" dirty="0" smtClean="0"/>
-              <a:t>Base currencies: {ETH,BTC</a:t>
+              <a:rPr lang="ja-JP" altLang="en-US" dirty="0"/>
+              <a:t>ベース通貨</a:t>
             </a:r>
             <a:r>
               <a:rPr lang="en-US" dirty="0"/>
-              <a:t>}</a:t>
+              <a:t>: {ETH,BTC}</a:t>
             </a:r>
           </a:p>
         </p:txBody>
@@ -7743,7 +7682,7 @@
         <p:spPr>
           <a:xfrm>
             <a:off x="8232370" y="2960207"/>
-            <a:ext cx="1911701" cy="1323439"/>
+            <a:ext cx="1911701" cy="923330"/>
           </a:xfrm>
           <a:prstGeom prst="rect">
             <a:avLst/>
@@ -7757,21 +7696,10 @@
           <a:lstStyle/>
           <a:p>
             <a:r>
-              <a:rPr lang="en-US" sz="2000" dirty="0" smtClean="0"/>
-              <a:t>User’s balances</a:t>
+              <a:rPr lang="ja-JP" altLang="en-US" dirty="0"/>
+              <a:t>ユーザーの残高は異なるシャードで管理される</a:t>
             </a:r>
-            <a:br>
-              <a:rPr lang="en-US" sz="2000" dirty="0" smtClean="0"/>
-            </a:br>
-            <a:r>
-              <a:rPr lang="en-US" sz="2000" dirty="0" smtClean="0"/>
-              <a:t>are maintained </a:t>
-            </a:r>
-            <a:r>
-              <a:rPr lang="en-US" sz="2000" smtClean="0"/>
-              <a:t>in different shards</a:t>
-            </a:r>
-            <a:endParaRPr lang="en-US" sz="2000" dirty="0"/>
+            <a:endParaRPr lang="en-US" dirty="0"/>
           </a:p>
         </p:txBody>
       </p:sp>
@@ -7783,8 +7711,8 @@
         </p:nvGrpSpPr>
         <p:grpSpPr>
           <a:xfrm>
-            <a:off x="2525078" y="5011848"/>
-            <a:ext cx="1479763" cy="902827"/>
+            <a:off x="2525078" y="5011854"/>
+            <a:ext cx="1479763" cy="902828"/>
             <a:chOff x="2525078" y="4857750"/>
             <a:chExt cx="1989772" cy="1056913"/>
           </a:xfrm>
@@ -7829,10 +7757,21 @@
             <a:p>
               <a:pPr algn="ctr"/>
               <a:r>
-                <a:rPr lang="en-US" sz="1600" dirty="0" smtClean="0"/>
-                <a:t>Local Shard 1</a:t>
+                <a:rPr lang="ja-JP" altLang="en-US" sz="1400" dirty="0"/>
+                <a:t>ローカル</a:t>
               </a:r>
-              <a:endParaRPr lang="en-US" sz="1600" dirty="0"/>
+              <a:br>
+                <a:rPr lang="en-US" altLang="ja-JP" sz="1400" dirty="0"/>
+              </a:br>
+              <a:r>
+                <a:rPr lang="ja-JP" altLang="en-US" sz="1400" dirty="0"/>
+                <a:t>シャード </a:t>
+              </a:r>
+              <a:r>
+                <a:rPr lang="en-US" altLang="ja-JP" sz="1400" dirty="0"/>
+                <a:t>1</a:t>
+              </a:r>
+              <a:endParaRPr lang="en-US" sz="1400" dirty="0"/>
             </a:p>
           </p:txBody>
         </p:sp>
@@ -7844,8 +7783,8 @@
           </p:nvSpPr>
           <p:spPr>
             <a:xfrm>
-              <a:off x="2579551" y="5277803"/>
-              <a:ext cx="1880824" cy="360306"/>
+              <a:off x="2579551" y="5479118"/>
+              <a:ext cx="1880824" cy="360304"/>
             </a:xfrm>
             <a:prstGeom prst="rect">
               <a:avLst/>
@@ -7863,10 +7802,9 @@
             <a:lstStyle/>
             <a:p>
               <a:r>
-                <a:rPr lang="en-US" sz="1400" dirty="0" smtClean="0"/>
+                <a:rPr lang="en-US" sz="1400" dirty="0"/>
                 <a:t>{ETH, BTC}, KNC</a:t>
               </a:r>
-              <a:endParaRPr lang="en-US" sz="1400" dirty="0"/>
             </a:p>
           </p:txBody>
         </p:sp>
@@ -7925,10 +7863,20 @@
             <a:p>
               <a:pPr algn="ctr"/>
               <a:r>
-                <a:rPr lang="en-US" sz="1600" dirty="0" smtClean="0"/>
-                <a:t>Local Shard ...</a:t>
+                <a:rPr lang="ja-JP" altLang="en-US" sz="1400" dirty="0"/>
+                <a:t>ローカル</a:t>
               </a:r>
-              <a:endParaRPr lang="en-US" sz="1600" dirty="0"/>
+              <a:br>
+                <a:rPr lang="en-US" altLang="ja-JP" sz="1400" dirty="0"/>
+              </a:br>
+              <a:r>
+                <a:rPr lang="ja-JP" altLang="en-US" sz="1400" dirty="0"/>
+                <a:t>シャード </a:t>
+              </a:r>
+              <a:r>
+                <a:rPr lang="en-US" sz="1400" dirty="0"/>
+                <a:t>...</a:t>
+              </a:r>
             </a:p>
           </p:txBody>
         </p:sp>
@@ -7940,7 +7888,7 @@
           </p:nvSpPr>
           <p:spPr>
             <a:xfrm>
-              <a:off x="2579551" y="5386205"/>
+              <a:off x="2579551" y="5459852"/>
               <a:ext cx="1880824" cy="360306"/>
             </a:xfrm>
             <a:prstGeom prst="rect">
@@ -7960,13 +7908,8 @@
             <a:p>
               <a:r>
                 <a:rPr lang="en-US" sz="1400" dirty="0"/>
-                <a:t>{ETH, BTC}, </a:t>
+                <a:t>{ETH, BTC}, ZEC</a:t>
               </a:r>
-              <a:r>
-                <a:rPr lang="en-US" sz="1400" dirty="0" smtClean="0"/>
-                <a:t>ZEC</a:t>
-              </a:r>
-              <a:endParaRPr lang="en-US" sz="1400" dirty="0"/>
             </a:p>
           </p:txBody>
         </p:sp>
@@ -8025,10 +7968,20 @@
             <a:p>
               <a:pPr algn="ctr"/>
               <a:r>
-                <a:rPr lang="en-US" sz="1600" dirty="0" smtClean="0"/>
-                <a:t>Local Shard n</a:t>
+                <a:rPr lang="ja-JP" altLang="en-US" sz="1400" dirty="0"/>
+                <a:t>ローカル</a:t>
               </a:r>
-              <a:endParaRPr lang="en-US" sz="1600" dirty="0"/>
+              <a:br>
+                <a:rPr lang="en-US" altLang="ja-JP" sz="1400" dirty="0"/>
+              </a:br>
+              <a:r>
+                <a:rPr lang="ja-JP" altLang="en-US" sz="1400" dirty="0"/>
+                <a:t>シャード </a:t>
+              </a:r>
+              <a:r>
+                <a:rPr lang="en-US" sz="1400" dirty="0"/>
+                <a:t>n</a:t>
+              </a:r>
             </a:p>
           </p:txBody>
         </p:sp>
@@ -8040,7 +7993,7 @@
           </p:nvSpPr>
           <p:spPr>
             <a:xfrm>
-              <a:off x="2579551" y="5386206"/>
+              <a:off x="2579551" y="5415665"/>
               <a:ext cx="1880824" cy="360306"/>
             </a:xfrm>
             <a:prstGeom prst="rect">
@@ -8060,13 +8013,8 @@
             <a:p>
               <a:r>
                 <a:rPr lang="en-US" sz="1400" dirty="0"/>
-                <a:t>{ETH, BTC}, </a:t>
+                <a:t>{ETH, BTC}, LTC</a:t>
               </a:r>
-              <a:r>
-                <a:rPr lang="en-US" sz="1400" dirty="0" smtClean="0"/>
-                <a:t>LTC</a:t>
-              </a:r>
-              <a:endParaRPr lang="en-US" sz="1400" dirty="0"/>
             </a:p>
           </p:txBody>
         </p:sp>
@@ -8165,10 +8113,20 @@
             <a:p>
               <a:pPr algn="ctr"/>
               <a:r>
-                <a:rPr lang="en-US" sz="1600" dirty="0" smtClean="0"/>
-                <a:t>Local Shard 2</a:t>
+                <a:rPr lang="ja-JP" altLang="en-US" sz="1400" dirty="0"/>
+                <a:t>ローカル</a:t>
               </a:r>
-              <a:endParaRPr lang="en-US" sz="1600" dirty="0"/>
+              <a:br>
+                <a:rPr lang="en-US" altLang="ja-JP" sz="1400" dirty="0"/>
+              </a:br>
+              <a:r>
+                <a:rPr lang="ja-JP" altLang="en-US" sz="1400" dirty="0"/>
+                <a:t>シャード</a:t>
+              </a:r>
+              <a:r>
+                <a:rPr lang="en-US" sz="1400" dirty="0"/>
+                <a:t>2</a:t>
+              </a:r>
             </a:p>
           </p:txBody>
         </p:sp>
@@ -8180,7 +8138,7 @@
           </p:nvSpPr>
           <p:spPr>
             <a:xfrm>
-              <a:off x="2579551" y="5277803"/>
+              <a:off x="2556993" y="5469301"/>
               <a:ext cx="1935299" cy="360305"/>
             </a:xfrm>
             <a:prstGeom prst="rect">
@@ -8199,10 +8157,9 @@
             <a:lstStyle/>
             <a:p>
               <a:r>
-                <a:rPr lang="en-US" sz="1400" dirty="0" smtClean="0"/>
+                <a:rPr lang="en-US" sz="1400" dirty="0"/>
                 <a:t>{ETH, BTC}, OMG</a:t>
               </a:r>
-              <a:endParaRPr lang="en-US" sz="1400" dirty="0"/>
             </a:p>
           </p:txBody>
         </p:sp>
@@ -8262,10 +8219,34 @@
                 <a:tableStyleId>{5C22544A-7EE6-4342-B048-85BDC9FD1C3A}</a:tableStyleId>
               </a:tblPr>
               <a:tblGrid>
-                <a:gridCol w="1354667"/>
-                <a:gridCol w="1354667"/>
-                <a:gridCol w="1354667"/>
-                <a:gridCol w="1354667"/>
+                <a:gridCol w="1354667">
+                  <a:extLst>
+                    <a:ext uri="{9D8B030D-6E8A-4147-A177-3AD203B41FA5}">
+                      <a16:colId xmlns:a16="http://schemas.microsoft.com/office/drawing/2014/main" val="20000"/>
+                    </a:ext>
+                  </a:extLst>
+                </a:gridCol>
+                <a:gridCol w="1354667">
+                  <a:extLst>
+                    <a:ext uri="{9D8B030D-6E8A-4147-A177-3AD203B41FA5}">
+                      <a16:colId xmlns:a16="http://schemas.microsoft.com/office/drawing/2014/main" val="20001"/>
+                    </a:ext>
+                  </a:extLst>
+                </a:gridCol>
+                <a:gridCol w="1354667">
+                  <a:extLst>
+                    <a:ext uri="{9D8B030D-6E8A-4147-A177-3AD203B41FA5}">
+                      <a16:colId xmlns:a16="http://schemas.microsoft.com/office/drawing/2014/main" val="20002"/>
+                    </a:ext>
+                  </a:extLst>
+                </a:gridCol>
+                <a:gridCol w="1354667">
+                  <a:extLst>
+                    <a:ext uri="{9D8B030D-6E8A-4147-A177-3AD203B41FA5}">
+                      <a16:colId xmlns:a16="http://schemas.microsoft.com/office/drawing/2014/main" val="20003"/>
+                    </a:ext>
+                  </a:extLst>
+                </a:gridCol>
               </a:tblGrid>
               <a:tr h="282786">
                 <a:tc gridSpan="2">
@@ -8274,10 +8255,9 @@
                     <a:lstStyle/>
                     <a:p>
                       <a:r>
-                        <a:rPr lang="en-US" dirty="0" smtClean="0"/>
+                        <a:rPr lang="en-US" dirty="0"/>
                         <a:t>Sell</a:t>
                       </a:r>
-                      <a:endParaRPr lang="en-US" dirty="0"/>
                     </a:p>
                   </a:txBody>
                   <a:tcPr/>
@@ -8298,10 +8278,9 @@
                     <a:lstStyle/>
                     <a:p>
                       <a:r>
-                        <a:rPr lang="en-US" dirty="0" smtClean="0"/>
+                        <a:rPr lang="en-US" dirty="0"/>
                         <a:t>Buy</a:t>
                       </a:r>
-                      <a:endParaRPr lang="en-US" dirty="0"/>
                     </a:p>
                   </a:txBody>
                   <a:tcPr/>
@@ -8316,6 +8295,11 @@
                   </a:txBody>
                   <a:tcPr/>
                 </a:tc>
+                <a:extLst>
+                  <a:ext uri="{0D108BD9-81ED-4DB2-BD59-A6C34878D82A}">
+                    <a16:rowId xmlns:a16="http://schemas.microsoft.com/office/drawing/2014/main" val="10000"/>
+                  </a:ext>
+                </a:extLst>
               </a:tr>
               <a:tr h="370840">
                 <a:tc>
@@ -8324,10 +8308,9 @@
                     <a:lstStyle/>
                     <a:p>
                       <a:r>
-                        <a:rPr lang="en-US" dirty="0" smtClean="0"/>
+                        <a:rPr lang="en-US" dirty="0"/>
                         <a:t>0.001</a:t>
                       </a:r>
-                      <a:endParaRPr lang="en-US" dirty="0"/>
                     </a:p>
                   </a:txBody>
                   <a:tcPr/>
@@ -8338,10 +8321,9 @@
                     <a:lstStyle/>
                     <a:p>
                       <a:r>
-                        <a:rPr lang="en-US" dirty="0" smtClean="0"/>
+                        <a:rPr lang="en-US" dirty="0"/>
                         <a:t>10</a:t>
                       </a:r>
-                      <a:endParaRPr lang="en-US" dirty="0"/>
                     </a:p>
                   </a:txBody>
                   <a:tcPr/>
@@ -8352,10 +8334,9 @@
                     <a:lstStyle/>
                     <a:p>
                       <a:r>
-                        <a:rPr lang="en-US" dirty="0" smtClean="0"/>
+                        <a:rPr lang="en-US" dirty="0"/>
                         <a:t>0.00099</a:t>
                       </a:r>
-                      <a:endParaRPr lang="en-US" dirty="0"/>
                     </a:p>
                   </a:txBody>
                   <a:tcPr/>
@@ -8366,14 +8347,18 @@
                     <a:lstStyle/>
                     <a:p>
                       <a:r>
-                        <a:rPr lang="en-US" dirty="0" smtClean="0"/>
+                        <a:rPr lang="en-US" dirty="0"/>
                         <a:t>15</a:t>
                       </a:r>
-                      <a:endParaRPr lang="en-US" dirty="0"/>
                     </a:p>
                   </a:txBody>
                   <a:tcPr/>
                 </a:tc>
+                <a:extLst>
+                  <a:ext uri="{0D108BD9-81ED-4DB2-BD59-A6C34878D82A}">
+                    <a16:rowId xmlns:a16="http://schemas.microsoft.com/office/drawing/2014/main" val="10001"/>
+                  </a:ext>
+                </a:extLst>
               </a:tr>
               <a:tr h="370840">
                 <a:tc>
@@ -8382,10 +8367,9 @@
                     <a:lstStyle/>
                     <a:p>
                       <a:r>
-                        <a:rPr lang="en-US" dirty="0" smtClean="0"/>
+                        <a:rPr lang="en-US" dirty="0"/>
                         <a:t>0.00105</a:t>
                       </a:r>
-                      <a:endParaRPr lang="en-US" dirty="0"/>
                     </a:p>
                   </a:txBody>
                   <a:tcPr/>
@@ -8396,10 +8380,9 @@
                     <a:lstStyle/>
                     <a:p>
                       <a:r>
-                        <a:rPr lang="en-US" dirty="0" smtClean="0"/>
+                        <a:rPr lang="en-US" dirty="0"/>
                         <a:t>20</a:t>
                       </a:r>
-                      <a:endParaRPr lang="en-US" dirty="0"/>
                     </a:p>
                   </a:txBody>
                   <a:tcPr/>
@@ -8410,10 +8393,9 @@
                     <a:lstStyle/>
                     <a:p>
                       <a:r>
-                        <a:rPr lang="en-US" dirty="0" smtClean="0"/>
+                        <a:rPr lang="en-US" dirty="0"/>
                         <a:t>0.00095</a:t>
                       </a:r>
-                      <a:endParaRPr lang="en-US" dirty="0"/>
                     </a:p>
                   </a:txBody>
                   <a:tcPr/>
@@ -8424,14 +8406,18 @@
                     <a:lstStyle/>
                     <a:p>
                       <a:r>
-                        <a:rPr lang="en-US" dirty="0" smtClean="0"/>
+                        <a:rPr lang="en-US" dirty="0"/>
                         <a:t>10</a:t>
                       </a:r>
-                      <a:endParaRPr lang="en-US" dirty="0"/>
                     </a:p>
                   </a:txBody>
                   <a:tcPr/>
                 </a:tc>
+                <a:extLst>
+                  <a:ext uri="{0D108BD9-81ED-4DB2-BD59-A6C34878D82A}">
+                    <a16:rowId xmlns:a16="http://schemas.microsoft.com/office/drawing/2014/main" val="10002"/>
+                  </a:ext>
+                </a:extLst>
               </a:tr>
               <a:tr h="370840">
                 <a:tc>
@@ -8440,10 +8426,9 @@
                     <a:lstStyle/>
                     <a:p>
                       <a:r>
-                        <a:rPr lang="en-US" dirty="0" smtClean="0"/>
+                        <a:rPr lang="en-US" dirty="0"/>
                         <a:t>0.00107</a:t>
                       </a:r>
-                      <a:endParaRPr lang="en-US" dirty="0"/>
                     </a:p>
                   </a:txBody>
                   <a:tcPr/>
@@ -8454,10 +8439,9 @@
                     <a:lstStyle/>
                     <a:p>
                       <a:r>
-                        <a:rPr lang="en-US" dirty="0" smtClean="0"/>
+                        <a:rPr lang="en-US" dirty="0"/>
                         <a:t>15</a:t>
                       </a:r>
-                      <a:endParaRPr lang="en-US" dirty="0"/>
                     </a:p>
                   </a:txBody>
                   <a:tcPr/>
@@ -8468,10 +8452,9 @@
                     <a:lstStyle/>
                     <a:p>
                       <a:r>
-                        <a:rPr lang="en-US" dirty="0" smtClean="0"/>
+                        <a:rPr lang="en-US" dirty="0"/>
                         <a:t>0.00093</a:t>
                       </a:r>
-                      <a:endParaRPr lang="en-US" dirty="0"/>
                     </a:p>
                   </a:txBody>
                   <a:tcPr/>
@@ -8482,14 +8465,18 @@
                     <a:lstStyle/>
                     <a:p>
                       <a:r>
-                        <a:rPr lang="en-US" dirty="0" smtClean="0"/>
+                        <a:rPr lang="en-US" dirty="0"/>
                         <a:t>20</a:t>
                       </a:r>
-                      <a:endParaRPr lang="en-US" dirty="0"/>
                     </a:p>
                   </a:txBody>
                   <a:tcPr/>
                 </a:tc>
+                <a:extLst>
+                  <a:ext uri="{0D108BD9-81ED-4DB2-BD59-A6C34878D82A}">
+                    <a16:rowId xmlns:a16="http://schemas.microsoft.com/office/drawing/2014/main" val="10003"/>
+                  </a:ext>
+                </a:extLst>
               </a:tr>
             </a:tbl>
           </a:graphicData>
@@ -8704,25 +8691,25 @@
           <a:p>
             <a:pPr algn="ctr"/>
             <a:r>
-              <a:rPr lang="en-US" sz="2400" dirty="0" smtClean="0"/>
-              <a:t>Root Chain</a:t>
+              <a:rPr lang="ja-JP" altLang="en-US" sz="2400" dirty="0"/>
+              <a:t>ルートチェーン</a:t>
             </a:r>
+            <a:endParaRPr lang="en-US" sz="2400" dirty="0"/>
           </a:p>
           <a:p>
             <a:pPr algn="ctr"/>
             <a:r>
-              <a:rPr lang="en-US" sz="2400" dirty="0" smtClean="0"/>
+              <a:rPr lang="en-US" sz="2400" dirty="0"/>
               <a:t>(</a:t>
             </a:r>
             <a:r>
-              <a:rPr lang="en-US" sz="2400" dirty="0" err="1" smtClean="0"/>
+              <a:rPr lang="en-US" sz="2400" dirty="0" err="1"/>
               <a:t>Ethereum</a:t>
             </a:r>
             <a:r>
-              <a:rPr lang="en-US" sz="2400" dirty="0" smtClean="0"/>
+              <a:rPr lang="en-US" sz="2400" dirty="0"/>
               <a:t>)</a:t>
             </a:r>
-            <a:endParaRPr lang="en-US" sz="2400" dirty="0"/>
           </a:p>
         </p:txBody>
       </p:sp>
@@ -8906,10 +8893,9 @@
             <a:p>
               <a:pPr algn="ctr"/>
               <a:r>
-                <a:rPr lang="en-US" dirty="0" smtClean="0"/>
+                <a:rPr lang="en-US" dirty="0"/>
                 <a:t>1</a:t>
               </a:r>
-              <a:endParaRPr lang="en-US" dirty="0"/>
             </a:p>
           </p:txBody>
         </p:sp>
@@ -8949,10 +8935,10 @@
           <a:p>
             <a:pPr algn="ctr"/>
             <a:r>
-              <a:rPr lang="en-US" sz="3200" smtClean="0"/>
-              <a:t>Validator Pool</a:t>
+              <a:rPr lang="ja-JP" altLang="en-US" sz="3200" dirty="0"/>
+              <a:t>バリデータープール</a:t>
             </a:r>
-            <a:endParaRPr lang="en-US" sz="3200"/>
+            <a:endParaRPr lang="en-US" sz="3200" dirty="0"/>
           </a:p>
         </p:txBody>
       </p:sp>
@@ -9047,10 +9033,9 @@
             <a:p>
               <a:pPr algn="ctr"/>
               <a:r>
-                <a:rPr lang="en-US" dirty="0" smtClean="0"/>
+                <a:rPr lang="en-US" dirty="0"/>
                 <a:t>2</a:t>
               </a:r>
-              <a:endParaRPr lang="en-US" dirty="0"/>
             </a:p>
           </p:txBody>
         </p:sp>
@@ -9146,7 +9131,7 @@
             <a:p>
               <a:pPr algn="ctr"/>
               <a:r>
-                <a:rPr lang="mr-IN" dirty="0" smtClean="0"/>
+                <a:rPr lang="mr-IN" dirty="0"/>
                 <a:t>…</a:t>
               </a:r>
               <a:endParaRPr lang="en-US" dirty="0"/>
@@ -9245,10 +9230,9 @@
             <a:p>
               <a:pPr algn="ctr"/>
               <a:r>
-                <a:rPr lang="en-US" dirty="0" smtClean="0"/>
+                <a:rPr lang="en-US" dirty="0"/>
                 <a:t>n</a:t>
               </a:r>
-              <a:endParaRPr lang="en-US" dirty="0"/>
             </a:p>
           </p:txBody>
         </p:sp>
@@ -9418,7 +9402,7 @@
         <p:spPr>
           <a:xfrm>
             <a:off x="8703353" y="1734096"/>
-            <a:ext cx="2682850" cy="400110"/>
+            <a:ext cx="3054041" cy="338554"/>
           </a:xfrm>
           <a:prstGeom prst="rect">
             <a:avLst/>
@@ -9432,10 +9416,14 @@
           <a:lstStyle/>
           <a:p>
             <a:r>
-              <a:rPr lang="en-US" sz="2000" dirty="0" smtClean="0"/>
-              <a:t>1. Deposit on root chain</a:t>
+              <a:rPr lang="en-US" sz="1600" dirty="0"/>
+              <a:t>1. </a:t>
             </a:r>
-            <a:endParaRPr lang="en-US" sz="2000" dirty="0"/>
+            <a:r>
+              <a:rPr lang="ja-JP" altLang="en-US" sz="1600" dirty="0"/>
+              <a:t>ルートチェーンにデポジット</a:t>
+            </a:r>
+            <a:endParaRPr lang="en-US" sz="1600" dirty="0"/>
           </a:p>
         </p:txBody>
       </p:sp>
@@ -9448,7 +9436,7 @@
         <p:spPr>
           <a:xfrm>
             <a:off x="8774517" y="2878469"/>
-            <a:ext cx="2080249" cy="1015663"/>
+            <a:ext cx="2982877" cy="830997"/>
           </a:xfrm>
           <a:prstGeom prst="rect">
             <a:avLst/>
@@ -9456,44 +9444,24 @@
           <a:noFill/>
         </p:spPr>
         <p:txBody>
-          <a:bodyPr wrap="none" rtlCol="0">
+          <a:bodyPr wrap="square" rtlCol="0">
             <a:spAutoFit/>
           </a:bodyPr>
           <a:lstStyle/>
           <a:p>
             <a:r>
-              <a:rPr lang="en-US" sz="2000" dirty="0"/>
-              <a:t>2</a:t>
+              <a:rPr lang="en-US" sz="1600" dirty="0"/>
+              <a:t>2. </a:t>
             </a:r>
             <a:r>
-              <a:rPr lang="en-US" sz="2000" dirty="0" smtClean="0"/>
-              <a:t>. Enter the active</a:t>
-            </a:r>
-          </a:p>
-          <a:p>
-            <a:r>
-              <a:rPr lang="en-US" sz="2000" dirty="0" smtClean="0"/>
-              <a:t>validator pool</a:t>
-            </a:r>
-          </a:p>
-          <a:p>
-            <a:r>
-              <a:rPr lang="en-US" sz="2000" dirty="0"/>
-              <a:t>o</a:t>
+              <a:rPr lang="en-US" altLang="ja-JP" sz="1600" dirty="0"/>
+              <a:t>GORMOS</a:t>
             </a:r>
             <a:r>
-              <a:rPr lang="en-US" sz="2000" dirty="0" smtClean="0"/>
-              <a:t>n </a:t>
+              <a:rPr lang="ja-JP" altLang="en-US" sz="1600" dirty="0"/>
+              <a:t>チェーンのアクティブなバリデータープールに参加</a:t>
             </a:r>
-            <a:r>
-              <a:rPr lang="en-US" sz="2000" dirty="0" err="1" smtClean="0"/>
-              <a:t>Gormos</a:t>
-            </a:r>
-            <a:r>
-              <a:rPr lang="en-US" sz="2000" smtClean="0"/>
-              <a:t> chain</a:t>
-            </a:r>
-            <a:endParaRPr lang="en-US" sz="2000" dirty="0"/>
+            <a:endParaRPr lang="en-US" sz="1600" dirty="0"/>
           </a:p>
         </p:txBody>
       </p:sp>
@@ -9506,7 +9474,7 @@
         <p:spPr>
           <a:xfrm>
             <a:off x="8774516" y="4084397"/>
-            <a:ext cx="2080250" cy="707886"/>
+            <a:ext cx="2982878" cy="338554"/>
           </a:xfrm>
           <a:prstGeom prst="rect">
             <a:avLst/>
@@ -9520,10 +9488,14 @@
           <a:lstStyle/>
           <a:p>
             <a:r>
-              <a:rPr lang="en-US" sz="2000" dirty="0" smtClean="0"/>
-              <a:t>3. Get distributed to various shards. </a:t>
+              <a:rPr lang="en-US" sz="1600" dirty="0"/>
+              <a:t>3. </a:t>
             </a:r>
-            <a:endParaRPr lang="en-US" sz="2000" dirty="0"/>
+            <a:r>
+              <a:rPr lang="ja-JP" altLang="en-US" sz="1600" dirty="0"/>
+              <a:t>さまざまなシャードに分散</a:t>
+            </a:r>
+            <a:endParaRPr lang="en-US" sz="1600" dirty="0"/>
           </a:p>
         </p:txBody>
       </p:sp>
@@ -9536,7 +9508,7 @@
         <p:spPr>
           <a:xfrm>
             <a:off x="8703353" y="4982548"/>
-            <a:ext cx="2489580" cy="1015663"/>
+            <a:ext cx="3054040" cy="584775"/>
           </a:xfrm>
           <a:prstGeom prst="rect">
             <a:avLst/>
@@ -9550,14 +9522,14 @@
           <a:lstStyle/>
           <a:p>
             <a:r>
-              <a:rPr lang="en-US" sz="2000" dirty="0"/>
-              <a:t>4</a:t>
+              <a:rPr lang="en-US" sz="1600" dirty="0"/>
+              <a:t>4. </a:t>
             </a:r>
             <a:r>
-              <a:rPr lang="en-US" sz="2000" dirty="0" smtClean="0"/>
-              <a:t>. Elected as consensus validators (brown color)</a:t>
+              <a:rPr lang="ja-JP" altLang="en-US" sz="1600" dirty="0"/>
+              <a:t>コンセンサスバリデーター（灰色の箇所）に選出</a:t>
             </a:r>
-            <a:endParaRPr lang="en-US" sz="2000" dirty="0"/>
+            <a:endParaRPr lang="en-US" sz="1600" dirty="0"/>
           </a:p>
         </p:txBody>
       </p:sp>
@@ -9571,13 +9543,6 @@
   <p:clrMapOvr>
     <a:masterClrMapping/>
   </p:clrMapOvr>
-  <p:timing>
-    <p:tnLst>
-      <p:par>
-        <p:cTn id="1" dur="indefinite" restart="never" nodeType="tmRoot"/>
-      </p:par>
-    </p:tnLst>
-  </p:timing>
 </p:sld>
 </file>
 
